--- a/MainAlgo/Figures/LorenzFoundUncoupled.pptx
+++ b/MainAlgo/Figures/LorenzFoundUncoupled.pptx
@@ -115,13 +115,157 @@
 <file path=ppt/revisionInfo.xml><?xml version="1.0" encoding="utf-8"?>
 <p1510:revInfo xmlns:a="http://schemas.openxmlformats.org/drawingml/2006/main" xmlns:r="http://schemas.openxmlformats.org/officeDocument/2006/relationships" xmlns:p1510="http://schemas.microsoft.com/office/powerpoint/2015/10/main">
   <p1510:revLst>
-    <p1510:client id="{21E6A563-4700-4173-A5A0-E9830CFBA9A2}" v="10" dt="2023-09-13T13:50:11.197"/>
+    <p1510:client id="{2EEFF6A3-2ECE-4D43-8AB1-EDA368254921}" v="12" dt="2023-10-16T08:48:45.213"/>
   </p1510:revLst>
 </p1510:revInfo>
 </file>
 
 <file path=ppt/changesInfos/changesInfo1.xml><?xml version="1.0" encoding="utf-8"?>
 <pc:chgInfo xmlns:a="http://schemas.openxmlformats.org/drawingml/2006/main" xmlns:r="http://schemas.openxmlformats.org/officeDocument/2006/relationships" xmlns:ac="http://schemas.microsoft.com/office/drawing/2013/main/command" xmlns:pc="http://schemas.microsoft.com/office/powerpoint/2013/main/command">
+  <pc:docChgLst>
+    <pc:chgData name="Mey, Alex" userId="99e6382d-a7de-4d99-a744-68391b63f6f3" providerId="ADAL" clId="{2EEFF6A3-2ECE-4D43-8AB1-EDA368254921}"/>
+    <pc:docChg chg="custSel modSld">
+      <pc:chgData name="Mey, Alex" userId="99e6382d-a7de-4d99-a744-68391b63f6f3" providerId="ADAL" clId="{2EEFF6A3-2ECE-4D43-8AB1-EDA368254921}" dt="2023-10-16T08:49:03.347" v="70" actId="1076"/>
+      <pc:docMkLst>
+        <pc:docMk/>
+      </pc:docMkLst>
+      <pc:sldChg chg="addSp delSp modSp mod">
+        <pc:chgData name="Mey, Alex" userId="99e6382d-a7de-4d99-a744-68391b63f6f3" providerId="ADAL" clId="{2EEFF6A3-2ECE-4D43-8AB1-EDA368254921}" dt="2023-10-16T08:49:03.347" v="70" actId="1076"/>
+        <pc:sldMkLst>
+          <pc:docMk/>
+          <pc:sldMk cId="323427338" sldId="256"/>
+        </pc:sldMkLst>
+        <pc:spChg chg="mod">
+          <ac:chgData name="Mey, Alex" userId="99e6382d-a7de-4d99-a744-68391b63f6f3" providerId="ADAL" clId="{2EEFF6A3-2ECE-4D43-8AB1-EDA368254921}" dt="2023-10-16T08:29:49.158" v="1" actId="20577"/>
+          <ac:spMkLst>
+            <pc:docMk/>
+            <pc:sldMk cId="323427338" sldId="256"/>
+            <ac:spMk id="2" creationId="{D114C437-A055-5D81-7D88-618F0E395C53}"/>
+          </ac:spMkLst>
+        </pc:spChg>
+        <pc:spChg chg="add mod">
+          <ac:chgData name="Mey, Alex" userId="99e6382d-a7de-4d99-a744-68391b63f6f3" providerId="ADAL" clId="{2EEFF6A3-2ECE-4D43-8AB1-EDA368254921}" dt="2023-10-16T08:33:29.138" v="59" actId="1035"/>
+          <ac:spMkLst>
+            <pc:docMk/>
+            <pc:sldMk cId="323427338" sldId="256"/>
+            <ac:spMk id="10" creationId="{8EFF2146-4063-58F5-4A98-03C6DACD4943}"/>
+          </ac:spMkLst>
+        </pc:spChg>
+        <pc:spChg chg="add mod">
+          <ac:chgData name="Mey, Alex" userId="99e6382d-a7de-4d99-a744-68391b63f6f3" providerId="ADAL" clId="{2EEFF6A3-2ECE-4D43-8AB1-EDA368254921}" dt="2023-10-16T08:33:38.377" v="61" actId="1076"/>
+          <ac:spMkLst>
+            <pc:docMk/>
+            <pc:sldMk cId="323427338" sldId="256"/>
+            <ac:spMk id="13" creationId="{54BE3828-5F25-0327-4E1E-67658F4F4707}"/>
+          </ac:spMkLst>
+        </pc:spChg>
+        <pc:spChg chg="mod">
+          <ac:chgData name="Mey, Alex" userId="99e6382d-a7de-4d99-a744-68391b63f6f3" providerId="ADAL" clId="{2EEFF6A3-2ECE-4D43-8AB1-EDA368254921}" dt="2023-10-16T08:33:08.242" v="57" actId="1076"/>
+          <ac:spMkLst>
+            <pc:docMk/>
+            <pc:sldMk cId="323427338" sldId="256"/>
+            <ac:spMk id="30" creationId="{2B3307D7-2177-C207-9638-E1BAA65B51D3}"/>
+          </ac:spMkLst>
+        </pc:spChg>
+        <pc:spChg chg="mod">
+          <ac:chgData name="Mey, Alex" userId="99e6382d-a7de-4d99-a744-68391b63f6f3" providerId="ADAL" clId="{2EEFF6A3-2ECE-4D43-8AB1-EDA368254921}" dt="2023-10-16T08:48:40.570" v="65" actId="20577"/>
+          <ac:spMkLst>
+            <pc:docMk/>
+            <pc:sldMk cId="323427338" sldId="256"/>
+            <ac:spMk id="43" creationId="{D33B8345-EA34-1173-3572-85C56FCA8C13}"/>
+          </ac:spMkLst>
+        </pc:spChg>
+        <pc:spChg chg="mod">
+          <ac:chgData name="Mey, Alex" userId="99e6382d-a7de-4d99-a744-68391b63f6f3" providerId="ADAL" clId="{2EEFF6A3-2ECE-4D43-8AB1-EDA368254921}" dt="2023-10-16T08:32:13.363" v="50" actId="20577"/>
+          <ac:spMkLst>
+            <pc:docMk/>
+            <pc:sldMk cId="323427338" sldId="256"/>
+            <ac:spMk id="63" creationId="{0B6AD766-F966-F438-B1D2-BA7425253CEF}"/>
+          </ac:spMkLst>
+        </pc:spChg>
+        <pc:spChg chg="mod">
+          <ac:chgData name="Mey, Alex" userId="99e6382d-a7de-4d99-a744-68391b63f6f3" providerId="ADAL" clId="{2EEFF6A3-2ECE-4D43-8AB1-EDA368254921}" dt="2023-10-16T08:31:32.277" v="19" actId="20577"/>
+          <ac:spMkLst>
+            <pc:docMk/>
+            <pc:sldMk cId="323427338" sldId="256"/>
+            <ac:spMk id="64" creationId="{A62F8CC5-23F5-16A1-5811-E539EE23169D}"/>
+          </ac:spMkLst>
+        </pc:spChg>
+        <pc:spChg chg="del">
+          <ac:chgData name="Mey, Alex" userId="99e6382d-a7de-4d99-a744-68391b63f6f3" providerId="ADAL" clId="{2EEFF6A3-2ECE-4D43-8AB1-EDA368254921}" dt="2023-10-16T08:32:20.882" v="51" actId="478"/>
+          <ac:spMkLst>
+            <pc:docMk/>
+            <pc:sldMk cId="323427338" sldId="256"/>
+            <ac:spMk id="94" creationId="{17C9AFA4-F56C-4C8C-5089-6D9A8CFC0B21}"/>
+          </ac:spMkLst>
+        </pc:spChg>
+        <pc:spChg chg="del">
+          <ac:chgData name="Mey, Alex" userId="99e6382d-a7de-4d99-a744-68391b63f6f3" providerId="ADAL" clId="{2EEFF6A3-2ECE-4D43-8AB1-EDA368254921}" dt="2023-10-16T08:48:58.757" v="69" actId="478"/>
+          <ac:spMkLst>
+            <pc:docMk/>
+            <pc:sldMk cId="323427338" sldId="256"/>
+            <ac:spMk id="117" creationId="{3311D2BE-6DF8-14BA-AAF5-6D8242BDB35D}"/>
+          </ac:spMkLst>
+        </pc:spChg>
+        <pc:spChg chg="mod">
+          <ac:chgData name="Mey, Alex" userId="99e6382d-a7de-4d99-a744-68391b63f6f3" providerId="ADAL" clId="{2EEFF6A3-2ECE-4D43-8AB1-EDA368254921}" dt="2023-10-16T08:32:01.412" v="48" actId="1035"/>
+          <ac:spMkLst>
+            <pc:docMk/>
+            <pc:sldMk cId="323427338" sldId="256"/>
+            <ac:spMk id="121" creationId="{DDFA3BD0-E7B9-B45C-C369-5A91ECF4E7B1}"/>
+          </ac:spMkLst>
+        </pc:spChg>
+        <pc:cxnChg chg="mod">
+          <ac:chgData name="Mey, Alex" userId="99e6382d-a7de-4d99-a744-68391b63f6f3" providerId="ADAL" clId="{2EEFF6A3-2ECE-4D43-8AB1-EDA368254921}" dt="2023-10-16T08:33:01.889" v="56" actId="14100"/>
+          <ac:cxnSpMkLst>
+            <pc:docMk/>
+            <pc:sldMk cId="323427338" sldId="256"/>
+            <ac:cxnSpMk id="12" creationId="{A692B134-8E93-4838-228E-C52F9104FC0E}"/>
+          </ac:cxnSpMkLst>
+        </pc:cxnChg>
+        <pc:cxnChg chg="add del mod">
+          <ac:chgData name="Mey, Alex" userId="99e6382d-a7de-4d99-a744-68391b63f6f3" providerId="ADAL" clId="{2EEFF6A3-2ECE-4D43-8AB1-EDA368254921}" dt="2023-10-16T08:35:54.371" v="63"/>
+          <ac:cxnSpMkLst>
+            <pc:docMk/>
+            <pc:sldMk cId="323427338" sldId="256"/>
+            <ac:cxnSpMk id="17" creationId="{69EC0990-34BB-B10C-C813-4F4504CC4D80}"/>
+          </ac:cxnSpMkLst>
+        </pc:cxnChg>
+        <pc:cxnChg chg="add mod">
+          <ac:chgData name="Mey, Alex" userId="99e6382d-a7de-4d99-a744-68391b63f6f3" providerId="ADAL" clId="{2EEFF6A3-2ECE-4D43-8AB1-EDA368254921}" dt="2023-10-16T08:49:03.347" v="70" actId="1076"/>
+          <ac:cxnSpMkLst>
+            <pc:docMk/>
+            <pc:sldMk cId="323427338" sldId="256"/>
+            <ac:cxnSpMk id="18" creationId="{7C3ACDB7-5473-3EDB-D030-F8584890D0F1}"/>
+          </ac:cxnSpMkLst>
+        </pc:cxnChg>
+        <pc:cxnChg chg="del">
+          <ac:chgData name="Mey, Alex" userId="99e6382d-a7de-4d99-a744-68391b63f6f3" providerId="ADAL" clId="{2EEFF6A3-2ECE-4D43-8AB1-EDA368254921}" dt="2023-10-16T08:48:53.311" v="68" actId="478"/>
+          <ac:cxnSpMkLst>
+            <pc:docMk/>
+            <pc:sldMk cId="323427338" sldId="256"/>
+            <ac:cxnSpMk id="116" creationId="{B3CB1711-E6A9-5BBA-A092-C38858348643}"/>
+          </ac:cxnSpMkLst>
+        </pc:cxnChg>
+        <pc:cxnChg chg="mod">
+          <ac:chgData name="Mey, Alex" userId="99e6382d-a7de-4d99-a744-68391b63f6f3" providerId="ADAL" clId="{2EEFF6A3-2ECE-4D43-8AB1-EDA368254921}" dt="2023-10-16T08:31:54.151" v="25" actId="1035"/>
+          <ac:cxnSpMkLst>
+            <pc:docMk/>
+            <pc:sldMk cId="323427338" sldId="256"/>
+            <ac:cxnSpMk id="118" creationId="{04A70DA0-B1B5-B42C-F996-3189EC0EF521}"/>
+          </ac:cxnSpMkLst>
+        </pc:cxnChg>
+        <pc:cxnChg chg="mod">
+          <ac:chgData name="Mey, Alex" userId="99e6382d-a7de-4d99-a744-68391b63f6f3" providerId="ADAL" clId="{2EEFF6A3-2ECE-4D43-8AB1-EDA368254921}" dt="2023-10-16T08:30:44.267" v="15" actId="1036"/>
+          <ac:cxnSpMkLst>
+            <pc:docMk/>
+            <pc:sldMk cId="323427338" sldId="256"/>
+            <ac:cxnSpMk id="123" creationId="{CA9F9644-683F-F178-FBAC-ACC5CE13188C}"/>
+          </ac:cxnSpMkLst>
+        </pc:cxnChg>
+      </pc:sldChg>
+    </pc:docChg>
+  </pc:docChgLst>
   <pc:docChgLst>
     <pc:chgData name="Alexander Mey" userId="9cbcbf44-eb32-48a7-b84e-4e9e6f317f69" providerId="ADAL" clId="{21E6A563-4700-4173-A5A0-E9830CFBA9A2}"/>
     <pc:docChg chg="custSel modSld">
@@ -504,7 +648,7 @@
           <a:p>
             <a:fld id="{8B5B77F7-BF67-404E-B595-380B1F102C15}" type="datetimeFigureOut">
               <a:rPr lang="en-US" smtClean="0"/>
-              <a:t>9/12/2023</a:t>
+              <a:t>10/16/2023</a:t>
             </a:fld>
             <a:endParaRPr lang="en-US"/>
           </a:p>
@@ -674,7 +818,7 @@
           <a:p>
             <a:fld id="{8B5B77F7-BF67-404E-B595-380B1F102C15}" type="datetimeFigureOut">
               <a:rPr lang="en-US" smtClean="0"/>
-              <a:t>9/12/2023</a:t>
+              <a:t>10/16/2023</a:t>
             </a:fld>
             <a:endParaRPr lang="en-US"/>
           </a:p>
@@ -854,7 +998,7 @@
           <a:p>
             <a:fld id="{8B5B77F7-BF67-404E-B595-380B1F102C15}" type="datetimeFigureOut">
               <a:rPr lang="en-US" smtClean="0"/>
-              <a:t>9/12/2023</a:t>
+              <a:t>10/16/2023</a:t>
             </a:fld>
             <a:endParaRPr lang="en-US"/>
           </a:p>
@@ -1024,7 +1168,7 @@
           <a:p>
             <a:fld id="{8B5B77F7-BF67-404E-B595-380B1F102C15}" type="datetimeFigureOut">
               <a:rPr lang="en-US" smtClean="0"/>
-              <a:t>9/12/2023</a:t>
+              <a:t>10/16/2023</a:t>
             </a:fld>
             <a:endParaRPr lang="en-US"/>
           </a:p>
@@ -1268,7 +1412,7 @@
           <a:p>
             <a:fld id="{8B5B77F7-BF67-404E-B595-380B1F102C15}" type="datetimeFigureOut">
               <a:rPr lang="en-US" smtClean="0"/>
-              <a:t>9/12/2023</a:t>
+              <a:t>10/16/2023</a:t>
             </a:fld>
             <a:endParaRPr lang="en-US"/>
           </a:p>
@@ -1500,7 +1644,7 @@
           <a:p>
             <a:fld id="{8B5B77F7-BF67-404E-B595-380B1F102C15}" type="datetimeFigureOut">
               <a:rPr lang="en-US" smtClean="0"/>
-              <a:t>9/12/2023</a:t>
+              <a:t>10/16/2023</a:t>
             </a:fld>
             <a:endParaRPr lang="en-US"/>
           </a:p>
@@ -1867,7 +2011,7 @@
           <a:p>
             <a:fld id="{8B5B77F7-BF67-404E-B595-380B1F102C15}" type="datetimeFigureOut">
               <a:rPr lang="en-US" smtClean="0"/>
-              <a:t>9/12/2023</a:t>
+              <a:t>10/16/2023</a:t>
             </a:fld>
             <a:endParaRPr lang="en-US"/>
           </a:p>
@@ -1985,7 +2129,7 @@
           <a:p>
             <a:fld id="{8B5B77F7-BF67-404E-B595-380B1F102C15}" type="datetimeFigureOut">
               <a:rPr lang="en-US" smtClean="0"/>
-              <a:t>9/12/2023</a:t>
+              <a:t>10/16/2023</a:t>
             </a:fld>
             <a:endParaRPr lang="en-US"/>
           </a:p>
@@ -2080,7 +2224,7 @@
           <a:p>
             <a:fld id="{8B5B77F7-BF67-404E-B595-380B1F102C15}" type="datetimeFigureOut">
               <a:rPr lang="en-US" smtClean="0"/>
-              <a:t>9/12/2023</a:t>
+              <a:t>10/16/2023</a:t>
             </a:fld>
             <a:endParaRPr lang="en-US"/>
           </a:p>
@@ -2357,7 +2501,7 @@
           <a:p>
             <a:fld id="{8B5B77F7-BF67-404E-B595-380B1F102C15}" type="datetimeFigureOut">
               <a:rPr lang="en-US" smtClean="0"/>
-              <a:t>9/12/2023</a:t>
+              <a:t>10/16/2023</a:t>
             </a:fld>
             <a:endParaRPr lang="en-US"/>
           </a:p>
@@ -2614,7 +2758,7 @@
           <a:p>
             <a:fld id="{8B5B77F7-BF67-404E-B595-380B1F102C15}" type="datetimeFigureOut">
               <a:rPr lang="en-US" smtClean="0"/>
-              <a:t>9/12/2023</a:t>
+              <a:t>10/16/2023</a:t>
             </a:fld>
             <a:endParaRPr lang="en-US"/>
           </a:p>
@@ -2827,7 +2971,7 @@
           <a:p>
             <a:fld id="{8B5B77F7-BF67-404E-B595-380B1F102C15}" type="datetimeFigureOut">
               <a:rPr lang="en-US" smtClean="0"/>
-              <a:t>9/12/2023</a:t>
+              <a:t>10/16/2023</a:t>
             </a:fld>
             <a:endParaRPr lang="en-US"/>
           </a:p>
@@ -3399,14 +3543,13 @@
           </p:cNvPr>
           <p:cNvCxnSpPr>
             <a:cxnSpLocks/>
-            <a:stCxn id="15" idx="1"/>
           </p:cNvCxnSpPr>
           <p:nvPr/>
         </p:nvCxnSpPr>
         <p:spPr>
-          <a:xfrm flipH="1" flipV="1">
-            <a:off x="1717453" y="3508952"/>
-            <a:ext cx="837858" cy="2364306"/>
+          <a:xfrm>
+            <a:off x="1763968" y="3419182"/>
+            <a:ext cx="784434" cy="2340804"/>
           </a:xfrm>
           <a:prstGeom prst="straightConnector1">
             <a:avLst/>
@@ -3868,6 +4011,7 @@
               </a:bodyPr>
               <a:lstStyle/>
               <a:p>
+                <a:pPr/>
                 <a14:m>
                   <m:oMathPara xmlns:m="http://schemas.openxmlformats.org/officeDocument/2006/math">
                     <m:oMathParaPr>
@@ -3878,7 +4022,7 @@
                         <a:rPr lang="en-US" b="0" i="1" smtClean="0">
                           <a:latin typeface="Cambria Math" panose="02040503050406030204" pitchFamily="18" charset="0"/>
                         </a:rPr>
-                        <m:t>5</m:t>
+                        <m:t>4</m:t>
                       </m:r>
                     </m:oMath>
                   </m:oMathPara>
@@ -3923,7 +4067,7 @@
               <a:lstStyle/>
               <a:p>
                 <a:r>
-                  <a:rPr lang="en-US">
+                  <a:rPr lang="LID4096">
                     <a:noFill/>
                   </a:rPr>
                   <a:t> </a:t>
@@ -3947,7 +4091,7 @@
         </p:nvSpPr>
         <p:spPr>
           <a:xfrm>
-            <a:off x="1491358" y="3570370"/>
+            <a:off x="2214981" y="5447260"/>
             <a:ext cx="301686" cy="369332"/>
           </a:xfrm>
           <a:prstGeom prst="rect">
@@ -4103,13 +4247,13 @@
           <a:p>
             <a:r>
               <a:rPr lang="en-US" dirty="0"/>
-              <a:t>2</a:t>
-            </a:r>
-          </a:p>
-        </p:txBody>
-      </p:sp>
-      <mc:AlternateContent xmlns:mc="http://schemas.openxmlformats.org/markup-compatibility/2006">
-        <mc:Choice xmlns:a14="http://schemas.microsoft.com/office/drawing/2010/main" Requires="a14">
+              <a:t>1</a:t>
+            </a:r>
+          </a:p>
+        </p:txBody>
+      </p:sp>
+      <mc:AlternateContent xmlns:mc="http://schemas.openxmlformats.org/markup-compatibility/2006" xmlns:a14="http://schemas.microsoft.com/office/drawing/2010/main">
+        <mc:Choice Requires="a14">
           <p:sp>
             <p:nvSpPr>
               <p:cNvPr id="58" name="TextBox 57">
@@ -4138,6 +4282,7 @@
               </a:bodyPr>
               <a:lstStyle/>
               <a:p>
+                <a:pPr/>
                 <a14:m>
                   <m:oMathPara xmlns:m="http://schemas.openxmlformats.org/officeDocument/2006/math">
                     <m:oMathParaPr>
@@ -4158,7 +4303,7 @@
             </p:txBody>
           </p:sp>
         </mc:Choice>
-        <mc:Fallback>
+        <mc:Fallback xmlns="">
           <p:sp>
             <p:nvSpPr>
               <p:cNvPr id="58" name="TextBox 57">
@@ -4203,101 +4348,42 @@
           </p:sp>
         </mc:Fallback>
       </mc:AlternateContent>
-      <mc:AlternateContent xmlns:mc="http://schemas.openxmlformats.org/markup-compatibility/2006">
-        <mc:Choice xmlns:a14="http://schemas.microsoft.com/office/drawing/2010/main" Requires="a14">
-          <p:sp>
-            <p:nvSpPr>
-              <p:cNvPr id="63" name="TextBox 62">
-                <a:extLst>
-                  <a:ext uri="{FF2B5EF4-FFF2-40B4-BE49-F238E27FC236}">
-                    <a16:creationId xmlns:a16="http://schemas.microsoft.com/office/drawing/2014/main" id="{0B6AD766-F966-F438-B1D2-BA7425253CEF}"/>
-                  </a:ext>
-                </a:extLst>
-              </p:cNvPr>
-              <p:cNvSpPr txBox="1"/>
-              <p:nvPr/>
-            </p:nvSpPr>
-            <p:spPr>
-              <a:xfrm>
-                <a:off x="3326209" y="6511218"/>
-                <a:ext cx="365805" cy="369332"/>
-              </a:xfrm>
-              <a:prstGeom prst="rect">
-                <a:avLst/>
-              </a:prstGeom>
-              <a:noFill/>
-            </p:spPr>
-            <p:txBody>
-              <a:bodyPr wrap="none" rtlCol="0">
-                <a:spAutoFit/>
-              </a:bodyPr>
-              <a:lstStyle/>
-              <a:p>
-                <a14:m>
-                  <m:oMathPara xmlns:m="http://schemas.openxmlformats.org/officeDocument/2006/math">
-                    <m:oMathParaPr>
-                      <m:jc m:val="centerGroup"/>
-                    </m:oMathParaPr>
-                    <m:oMath xmlns:m="http://schemas.openxmlformats.org/officeDocument/2006/math">
-                      <m:r>
-                        <a:rPr lang="en-US" b="0" i="1" smtClean="0">
-                          <a:latin typeface="Cambria Math" panose="02040503050406030204" pitchFamily="18" charset="0"/>
-                        </a:rPr>
-                        <m:t>4</m:t>
-                      </m:r>
-                    </m:oMath>
-                  </m:oMathPara>
-                </a14:m>
-                <a:endParaRPr lang="en-US" dirty="0"/>
-              </a:p>
-            </p:txBody>
-          </p:sp>
-        </mc:Choice>
-        <mc:Fallback>
-          <p:sp>
-            <p:nvSpPr>
-              <p:cNvPr id="63" name="TextBox 62">
-                <a:extLst>
-                  <a:ext uri="{FF2B5EF4-FFF2-40B4-BE49-F238E27FC236}">
-                    <a16:creationId xmlns:a16="http://schemas.microsoft.com/office/drawing/2014/main" id="{0B6AD766-F966-F438-B1D2-BA7425253CEF}"/>
-                  </a:ext>
-                </a:extLst>
-              </p:cNvPr>
-              <p:cNvSpPr txBox="1">
-                <a:spLocks noRot="1" noChangeAspect="1" noMove="1" noResize="1" noEditPoints="1" noAdjustHandles="1" noChangeArrowheads="1" noChangeShapeType="1" noTextEdit="1"/>
-              </p:cNvSpPr>
-              <p:nvPr/>
-            </p:nvSpPr>
-            <p:spPr>
-              <a:xfrm>
-                <a:off x="3326209" y="6511218"/>
-                <a:ext cx="365805" cy="369332"/>
-              </a:xfrm>
-              <a:prstGeom prst="rect">
-                <a:avLst/>
-              </a:prstGeom>
-              <a:blipFill>
-                <a:blip r:embed="rId4"/>
-                <a:stretch>
-                  <a:fillRect/>
-                </a:stretch>
-              </a:blipFill>
-            </p:spPr>
-            <p:txBody>
-              <a:bodyPr/>
-              <a:lstStyle/>
-              <a:p>
-                <a:r>
-                  <a:rPr lang="en-US">
-                    <a:noFill/>
-                  </a:rPr>
-                  <a:t> </a:t>
-                </a:r>
-              </a:p>
-            </p:txBody>
-          </p:sp>
-        </mc:Fallback>
-      </mc:AlternateContent>
+      <p:sp>
+        <p:nvSpPr>
+          <p:cNvPr id="63" name="TextBox 62">
+            <a:extLst>
+              <a:ext uri="{FF2B5EF4-FFF2-40B4-BE49-F238E27FC236}">
+                <a16:creationId xmlns:a16="http://schemas.microsoft.com/office/drawing/2014/main" id="{0B6AD766-F966-F438-B1D2-BA7425253CEF}"/>
+              </a:ext>
+            </a:extLst>
+          </p:cNvPr>
+          <p:cNvSpPr txBox="1"/>
+          <p:nvPr/>
+        </p:nvSpPr>
+        <p:spPr>
+          <a:xfrm>
+            <a:off x="3326209" y="6511218"/>
+            <a:ext cx="301686" cy="369332"/>
+          </a:xfrm>
+          <a:prstGeom prst="rect">
+            <a:avLst/>
+          </a:prstGeom>
+          <a:noFill/>
+        </p:spPr>
+        <p:txBody>
+          <a:bodyPr wrap="none" rtlCol="0">
+            <a:spAutoFit/>
+          </a:bodyPr>
+          <a:lstStyle/>
+          <a:p>
+            <a:pPr/>
+            <a:r>
+              <a:rPr lang="en-US" dirty="0"/>
+              <a:t>5</a:t>
+            </a:r>
+          </a:p>
+        </p:txBody>
+      </p:sp>
       <mc:AlternateContent xmlns:mc="http://schemas.openxmlformats.org/markup-compatibility/2006">
         <mc:Choice xmlns:a14="http://schemas.microsoft.com/office/drawing/2010/main" Requires="a14">
           <p:sp>
@@ -4315,7 +4401,7 @@
             <p:spPr>
               <a:xfrm>
                 <a:off x="3220677" y="5305111"/>
-                <a:ext cx="365806" cy="369332"/>
+                <a:ext cx="365805" cy="369332"/>
               </a:xfrm>
               <a:prstGeom prst="rect">
                 <a:avLst/>
@@ -4328,6 +4414,7 @@
               </a:bodyPr>
               <a:lstStyle/>
               <a:p>
+                <a:pPr/>
                 <a14:m>
                   <m:oMathPara xmlns:m="http://schemas.openxmlformats.org/officeDocument/2006/math">
                     <m:oMathParaPr>
@@ -4338,7 +4425,7 @@
                         <a:rPr lang="en-US" b="0" i="1" smtClean="0">
                           <a:latin typeface="Cambria Math" panose="02040503050406030204" pitchFamily="18" charset="0"/>
                         </a:rPr>
-                        <m:t>1</m:t>
+                        <m:t>5</m:t>
                       </m:r>
                     </m:oMath>
                   </m:oMathPara>
@@ -4366,13 +4453,13 @@
             <p:spPr>
               <a:xfrm>
                 <a:off x="3220677" y="5305111"/>
-                <a:ext cx="365806" cy="369332"/>
+                <a:ext cx="365805" cy="369332"/>
               </a:xfrm>
               <a:prstGeom prst="rect">
                 <a:avLst/>
               </a:prstGeom>
               <a:blipFill>
-                <a:blip r:embed="rId5"/>
+                <a:blip r:embed="rId4"/>
                 <a:stretch>
                   <a:fillRect/>
                 </a:stretch>
@@ -4383,7 +4470,7 @@
               <a:lstStyle/>
               <a:p>
                 <a:r>
-                  <a:rPr lang="en-US">
+                  <a:rPr lang="LID4096">
                     <a:noFill/>
                   </a:rPr>
                   <a:t> </a:t>
@@ -4393,8 +4480,8 @@
           </p:sp>
         </mc:Fallback>
       </mc:AlternateContent>
-      <mc:AlternateContent xmlns:mc="http://schemas.openxmlformats.org/markup-compatibility/2006">
-        <mc:Choice xmlns:a14="http://schemas.microsoft.com/office/drawing/2010/main" Requires="a14">
+      <mc:AlternateContent xmlns:mc="http://schemas.openxmlformats.org/markup-compatibility/2006" xmlns:a14="http://schemas.microsoft.com/office/drawing/2010/main">
+        <mc:Choice Requires="a14">
           <p:sp>
             <p:nvSpPr>
               <p:cNvPr id="65" name="TextBox 64">
@@ -4423,6 +4510,7 @@
               </a:bodyPr>
               <a:lstStyle/>
               <a:p>
+                <a:pPr/>
                 <a14:m>
                   <m:oMathPara xmlns:m="http://schemas.openxmlformats.org/officeDocument/2006/math">
                     <m:oMathParaPr>
@@ -4443,7 +4531,7 @@
             </p:txBody>
           </p:sp>
         </mc:Choice>
-        <mc:Fallback>
+        <mc:Fallback xmlns="">
           <p:sp>
             <p:nvSpPr>
               <p:cNvPr id="65" name="TextBox 64">
@@ -4488,8 +4576,8 @@
           </p:sp>
         </mc:Fallback>
       </mc:AlternateContent>
-      <mc:AlternateContent xmlns:mc="http://schemas.openxmlformats.org/markup-compatibility/2006">
-        <mc:Choice xmlns:a14="http://schemas.microsoft.com/office/drawing/2010/main" Requires="a14">
+      <mc:AlternateContent xmlns:mc="http://schemas.openxmlformats.org/markup-compatibility/2006" xmlns:a14="http://schemas.microsoft.com/office/drawing/2010/main">
+        <mc:Choice Requires="a14">
           <p:sp>
             <p:nvSpPr>
               <p:cNvPr id="66" name="TextBox 65">
@@ -4518,6 +4606,7 @@
               </a:bodyPr>
               <a:lstStyle/>
               <a:p>
+                <a:pPr/>
                 <a14:m>
                   <m:oMathPara xmlns:m="http://schemas.openxmlformats.org/officeDocument/2006/math">
                     <m:oMathParaPr>
@@ -4538,7 +4627,7 @@
             </p:txBody>
           </p:sp>
         </mc:Choice>
-        <mc:Fallback>
+        <mc:Fallback xmlns="">
           <p:sp>
             <p:nvSpPr>
               <p:cNvPr id="66" name="TextBox 65">
@@ -4583,41 +4672,6 @@
           </p:sp>
         </mc:Fallback>
       </mc:AlternateContent>
-      <p:sp>
-        <p:nvSpPr>
-          <p:cNvPr id="94" name="TextBox 93">
-            <a:extLst>
-              <a:ext uri="{FF2B5EF4-FFF2-40B4-BE49-F238E27FC236}">
-                <a16:creationId xmlns:a16="http://schemas.microsoft.com/office/drawing/2014/main" id="{17C9AFA4-F56C-4C8C-5089-6D9A8CFC0B21}"/>
-              </a:ext>
-            </a:extLst>
-          </p:cNvPr>
-          <p:cNvSpPr txBox="1"/>
-          <p:nvPr/>
-        </p:nvSpPr>
-        <p:spPr>
-          <a:xfrm>
-            <a:off x="1889842" y="6097482"/>
-            <a:ext cx="301686" cy="369332"/>
-          </a:xfrm>
-          <a:prstGeom prst="rect">
-            <a:avLst/>
-          </a:prstGeom>
-          <a:noFill/>
-        </p:spPr>
-        <p:txBody>
-          <a:bodyPr wrap="none" rtlCol="0">
-            <a:spAutoFit/>
-          </a:bodyPr>
-          <a:lstStyle/>
-          <a:p>
-            <a:r>
-              <a:rPr lang="en-US" dirty="0"/>
-              <a:t>2</a:t>
-            </a:r>
-          </a:p>
-        </p:txBody>
-      </p:sp>
       <mc:AlternateContent xmlns:mc="http://schemas.openxmlformats.org/markup-compatibility/2006" xmlns:a14="http://schemas.microsoft.com/office/drawing/2010/main">
         <mc:Choice Requires="a14">
           <p:sp>
@@ -5101,8 +5155,8 @@
           </p:sp>
         </mc:Fallback>
       </mc:AlternateContent>
-      <mc:AlternateContent xmlns:mc="http://schemas.openxmlformats.org/markup-compatibility/2006">
-        <mc:Choice xmlns:a14="http://schemas.microsoft.com/office/drawing/2010/main" Requires="a14">
+      <mc:AlternateContent xmlns:mc="http://schemas.openxmlformats.org/markup-compatibility/2006" xmlns:a14="http://schemas.microsoft.com/office/drawing/2010/main">
+        <mc:Choice Requires="a14">
           <p:sp>
             <p:nvSpPr>
               <p:cNvPr id="21" name="Oval 20">
@@ -5212,7 +5266,7 @@
             </p:txBody>
           </p:sp>
         </mc:Choice>
-        <mc:Fallback>
+        <mc:Fallback xmlns="">
           <p:sp>
             <p:nvSpPr>
               <p:cNvPr id="21" name="Oval 20">
@@ -5676,85 +5730,6 @@
       </p:cxnSp>
       <p:cxnSp>
         <p:nvCxnSpPr>
-          <p:cNvPr id="116" name="Straight Arrow Connector 115">
-            <a:extLst>
-              <a:ext uri="{FF2B5EF4-FFF2-40B4-BE49-F238E27FC236}">
-                <a16:creationId xmlns:a16="http://schemas.microsoft.com/office/drawing/2014/main" id="{B3CB1711-E6A9-5BBA-A092-C38858348643}"/>
-              </a:ext>
-            </a:extLst>
-          </p:cNvPr>
-          <p:cNvCxnSpPr>
-            <a:cxnSpLocks/>
-          </p:cNvCxnSpPr>
-          <p:nvPr/>
-        </p:nvCxnSpPr>
-        <p:spPr>
-          <a:xfrm flipH="1">
-            <a:off x="1452080" y="1469920"/>
-            <a:ext cx="10102" cy="859800"/>
-          </a:xfrm>
-          <a:prstGeom prst="straightConnector1">
-            <a:avLst/>
-          </a:prstGeom>
-          <a:ln w="19050">
-            <a:solidFill>
-              <a:schemeClr val="accent1"/>
-            </a:solidFill>
-            <a:tailEnd type="triangle"/>
-          </a:ln>
-        </p:spPr>
-        <p:style>
-          <a:lnRef idx="1">
-            <a:schemeClr val="accent1"/>
-          </a:lnRef>
-          <a:fillRef idx="0">
-            <a:schemeClr val="accent1"/>
-          </a:fillRef>
-          <a:effectRef idx="0">
-            <a:schemeClr val="accent1"/>
-          </a:effectRef>
-          <a:fontRef idx="minor">
-            <a:schemeClr val="tx1"/>
-          </a:fontRef>
-        </p:style>
-      </p:cxnSp>
-      <p:sp>
-        <p:nvSpPr>
-          <p:cNvPr id="117" name="TextBox 116">
-            <a:extLst>
-              <a:ext uri="{FF2B5EF4-FFF2-40B4-BE49-F238E27FC236}">
-                <a16:creationId xmlns:a16="http://schemas.microsoft.com/office/drawing/2014/main" id="{3311D2BE-6DF8-14BA-AAF5-6D8242BDB35D}"/>
-              </a:ext>
-            </a:extLst>
-          </p:cNvPr>
-          <p:cNvSpPr txBox="1"/>
-          <p:nvPr/>
-        </p:nvSpPr>
-        <p:spPr>
-          <a:xfrm>
-            <a:off x="1195025" y="1935090"/>
-            <a:ext cx="301686" cy="369332"/>
-          </a:xfrm>
-          <a:prstGeom prst="rect">
-            <a:avLst/>
-          </a:prstGeom>
-          <a:noFill/>
-        </p:spPr>
-        <p:txBody>
-          <a:bodyPr wrap="none" rtlCol="0">
-            <a:spAutoFit/>
-          </a:bodyPr>
-          <a:lstStyle/>
-          <a:p>
-            <a:r>
-              <a:rPr lang="en-US" dirty="0"/>
-              <a:t>1</a:t>
-            </a:r>
-          </a:p>
-        </p:txBody>
-      </p:sp>
-      <p:cxnSp>
-        <p:nvCxnSpPr>
           <p:cNvPr id="118" name="Straight Arrow Connector 117">
             <a:extLst>
               <a:ext uri="{FF2B5EF4-FFF2-40B4-BE49-F238E27FC236}">
@@ -5768,8 +5743,8 @@
           <p:nvPr/>
         </p:nvCxnSpPr>
         <p:spPr>
-          <a:xfrm flipV="1">
-            <a:off x="2790654" y="4854297"/>
+          <a:xfrm>
+            <a:off x="2790654" y="4806672"/>
             <a:ext cx="0" cy="884414"/>
           </a:xfrm>
           <a:prstGeom prst="straightConnector1">
@@ -5813,7 +5788,7 @@
             </p:nvSpPr>
             <p:spPr>
               <a:xfrm>
-                <a:off x="2491935" y="4854297"/>
+                <a:off x="2491935" y="5359122"/>
                 <a:ext cx="365806" cy="369332"/>
               </a:xfrm>
               <a:prstGeom prst="rect">
@@ -5827,6 +5802,7 @@
               </a:bodyPr>
               <a:lstStyle/>
               <a:p>
+                <a:pPr/>
                 <a14:m>
                   <m:oMathPara xmlns:m="http://schemas.openxmlformats.org/officeDocument/2006/math">
                     <m:oMathParaPr>
@@ -5864,7 +5840,7 @@
             </p:nvSpPr>
             <p:spPr>
               <a:xfrm>
-                <a:off x="2491935" y="4854297"/>
+                <a:off x="2491935" y="5359122"/>
                 <a:ext cx="365806" cy="369332"/>
               </a:xfrm>
               <a:prstGeom prst="rect">
@@ -5882,7 +5858,7 @@
               <a:lstStyle/>
               <a:p>
                 <a:r>
-                  <a:rPr lang="en-US">
+                  <a:rPr lang="LID4096">
                     <a:noFill/>
                   </a:rPr>
                   <a:t> </a:t>
@@ -5907,9 +5883,147 @@
           <p:nvPr/>
         </p:nvCxnSpPr>
         <p:spPr>
+          <a:xfrm flipH="1" flipV="1">
+            <a:off x="2915313" y="4933044"/>
+            <a:ext cx="10132" cy="762513"/>
+          </a:xfrm>
+          <a:prstGeom prst="straightConnector1">
+            <a:avLst/>
+          </a:prstGeom>
+          <a:ln w="19050">
+            <a:solidFill>
+              <a:srgbClr val="FF0000"/>
+            </a:solidFill>
+            <a:prstDash val="dash"/>
+            <a:tailEnd type="triangle"/>
+          </a:ln>
+        </p:spPr>
+        <p:style>
+          <a:lnRef idx="1">
+            <a:schemeClr val="accent1"/>
+          </a:lnRef>
+          <a:fillRef idx="0">
+            <a:schemeClr val="accent1"/>
+          </a:fillRef>
+          <a:effectRef idx="0">
+            <a:schemeClr val="accent1"/>
+          </a:effectRef>
+          <a:fontRef idx="minor">
+            <a:schemeClr val="tx1"/>
+          </a:fontRef>
+        </p:style>
+      </p:cxnSp>
+      <p:sp>
+        <p:nvSpPr>
+          <p:cNvPr id="10" name="Arc 9">
+            <a:extLst>
+              <a:ext uri="{FF2B5EF4-FFF2-40B4-BE49-F238E27FC236}">
+                <a16:creationId xmlns:a16="http://schemas.microsoft.com/office/drawing/2014/main" id="{8EFF2146-4063-58F5-4A98-03C6DACD4943}"/>
+              </a:ext>
+            </a:extLst>
+          </p:cNvPr>
+          <p:cNvSpPr/>
+          <p:nvPr/>
+        </p:nvSpPr>
+        <p:spPr>
+          <a:xfrm rot="155850" flipH="1" flipV="1">
+            <a:off x="226341" y="908304"/>
+            <a:ext cx="3201922" cy="5597285"/>
+          </a:xfrm>
+          <a:prstGeom prst="arc">
+            <a:avLst>
+              <a:gd name="adj1" fmla="val 15465493"/>
+              <a:gd name="adj2" fmla="val 4334917"/>
+            </a:avLst>
+          </a:prstGeom>
+          <a:ln w="19050" cap="flat" cmpd="sng" algn="ctr">
+            <a:solidFill>
+              <a:schemeClr val="accent4">
+                <a:lumMod val="75000"/>
+              </a:schemeClr>
+            </a:solidFill>
+            <a:prstDash val="sysDot"/>
+            <a:round/>
+            <a:headEnd type="arrow" w="med" len="med"/>
+            <a:tailEnd type="none" w="med" len="med"/>
+          </a:ln>
+        </p:spPr>
+        <p:style>
+          <a:lnRef idx="0">
+            <a:scrgbClr r="0" g="0" b="0"/>
+          </a:lnRef>
+          <a:fillRef idx="0">
+            <a:scrgbClr r="0" g="0" b="0"/>
+          </a:fillRef>
+          <a:effectRef idx="0">
+            <a:scrgbClr r="0" g="0" b="0"/>
+          </a:effectRef>
+          <a:fontRef idx="minor">
+            <a:schemeClr val="tx1"/>
+          </a:fontRef>
+        </p:style>
+        <p:txBody>
+          <a:bodyPr rtlCol="0" anchor="ctr"/>
+          <a:lstStyle/>
+          <a:p>
+            <a:pPr algn="ctr"/>
+            <a:endParaRPr lang="en-US"/>
+          </a:p>
+        </p:txBody>
+      </p:sp>
+      <p:sp>
+        <p:nvSpPr>
+          <p:cNvPr id="13" name="TextBox 12">
+            <a:extLst>
+              <a:ext uri="{FF2B5EF4-FFF2-40B4-BE49-F238E27FC236}">
+                <a16:creationId xmlns:a16="http://schemas.microsoft.com/office/drawing/2014/main" id="{54BE3828-5F25-0327-4E1E-67658F4F4707}"/>
+              </a:ext>
+            </a:extLst>
+          </p:cNvPr>
+          <p:cNvSpPr txBox="1"/>
+          <p:nvPr/>
+        </p:nvSpPr>
+        <p:spPr>
+          <a:xfrm>
+            <a:off x="2072237" y="6390603"/>
+            <a:ext cx="301686" cy="369332"/>
+          </a:xfrm>
+          <a:prstGeom prst="rect">
+            <a:avLst/>
+          </a:prstGeom>
+          <a:noFill/>
+        </p:spPr>
+        <p:txBody>
+          <a:bodyPr wrap="none" rtlCol="0">
+            <a:spAutoFit/>
+          </a:bodyPr>
+          <a:lstStyle/>
+          <a:p>
+            <a:r>
+              <a:rPr lang="en-US" dirty="0"/>
+              <a:t>1</a:t>
+            </a:r>
+          </a:p>
+        </p:txBody>
+      </p:sp>
+      <p:cxnSp>
+        <p:nvCxnSpPr>
+          <p:cNvPr id="18" name="Straight Arrow Connector 17">
+            <a:extLst>
+              <a:ext uri="{FF2B5EF4-FFF2-40B4-BE49-F238E27FC236}">
+                <a16:creationId xmlns:a16="http://schemas.microsoft.com/office/drawing/2014/main" id="{7C3ACDB7-5473-3EDB-D030-F8584890D0F1}"/>
+              </a:ext>
+            </a:extLst>
+          </p:cNvPr>
+          <p:cNvCxnSpPr>
+            <a:cxnSpLocks/>
+          </p:cNvCxnSpPr>
+          <p:nvPr/>
+        </p:nvCxnSpPr>
+        <p:spPr>
           <a:xfrm flipH="1">
-            <a:off x="2915313" y="4809219"/>
-            <a:ext cx="10132" cy="762513"/>
+            <a:off x="1461205" y="1496489"/>
+            <a:ext cx="231" cy="833231"/>
           </a:xfrm>
           <a:prstGeom prst="straightConnector1">
             <a:avLst/>
